--- a/EMPLOYEE DATA BASE.pptx
+++ b/EMPLOYEE DATA BASE.pptx
@@ -7,7 +7,14 @@
   <p:sldIdLst>
     <p:sldId id="260" r:id="rId2"/>
     <p:sldId id="261" r:id="rId3"/>
-    <p:sldId id="262" r:id="rId4"/>
+    <p:sldId id="263" r:id="rId4"/>
+    <p:sldId id="264" r:id="rId5"/>
+    <p:sldId id="265" r:id="rId6"/>
+    <p:sldId id="266" r:id="rId7"/>
+    <p:sldId id="267" r:id="rId8"/>
+    <p:sldId id="269" r:id="rId9"/>
+    <p:sldId id="268" r:id="rId10"/>
+    <p:sldId id="270" r:id="rId11"/>
   </p:sldIdLst>
   <p:sldSz cx="12192000" cy="6858000"/>
   <p:notesSz cx="6858000" cy="9144000"/>
@@ -106,6 +113,11 @@
       </a:defRPr>
     </a:lvl9pPr>
   </p:defaultTextStyle>
+  <p:extLst>
+    <p:ext uri="{EFAFB233-063F-42B5-8137-9DF3F51BA10A}">
+      <p15:sldGuideLst xmlns:p15="http://schemas.microsoft.com/office/powerpoint/2012/main"/>
+    </p:ext>
+  </p:extLst>
 </p:presentation>
 </file>
 
@@ -240,7 +252,7 @@
           <a:p>
             <a:fld id="{4C90007C-4C31-41E3-BD24-EB74D4A5400B}" type="datetimeFigureOut">
               <a:rPr lang="en-US" smtClean="0"/>
-              <a:t>8/31/2024</a:t>
+              <a:t>9/5/2024</a:t>
             </a:fld>
             <a:endParaRPr lang="en-US"/>
           </a:p>
@@ -410,7 +422,7 @@
           <a:p>
             <a:fld id="{4C90007C-4C31-41E3-BD24-EB74D4A5400B}" type="datetimeFigureOut">
               <a:rPr lang="en-US" smtClean="0"/>
-              <a:t>8/31/2024</a:t>
+              <a:t>9/5/2024</a:t>
             </a:fld>
             <a:endParaRPr lang="en-US"/>
           </a:p>
@@ -590,7 +602,7 @@
           <a:p>
             <a:fld id="{4C90007C-4C31-41E3-BD24-EB74D4A5400B}" type="datetimeFigureOut">
               <a:rPr lang="en-US" smtClean="0"/>
-              <a:t>8/31/2024</a:t>
+              <a:t>9/5/2024</a:t>
             </a:fld>
             <a:endParaRPr lang="en-US"/>
           </a:p>
@@ -760,7 +772,7 @@
           <a:p>
             <a:fld id="{4C90007C-4C31-41E3-BD24-EB74D4A5400B}" type="datetimeFigureOut">
               <a:rPr lang="en-US" smtClean="0"/>
-              <a:t>8/31/2024</a:t>
+              <a:t>9/5/2024</a:t>
             </a:fld>
             <a:endParaRPr lang="en-US"/>
           </a:p>
@@ -1006,7 +1018,7 @@
           <a:p>
             <a:fld id="{4C90007C-4C31-41E3-BD24-EB74D4A5400B}" type="datetimeFigureOut">
               <a:rPr lang="en-US" smtClean="0"/>
-              <a:t>8/31/2024</a:t>
+              <a:t>9/5/2024</a:t>
             </a:fld>
             <a:endParaRPr lang="en-US"/>
           </a:p>
@@ -1238,7 +1250,7 @@
           <a:p>
             <a:fld id="{4C90007C-4C31-41E3-BD24-EB74D4A5400B}" type="datetimeFigureOut">
               <a:rPr lang="en-US" smtClean="0"/>
-              <a:t>8/31/2024</a:t>
+              <a:t>9/5/2024</a:t>
             </a:fld>
             <a:endParaRPr lang="en-US"/>
           </a:p>
@@ -1605,7 +1617,7 @@
           <a:p>
             <a:fld id="{4C90007C-4C31-41E3-BD24-EB74D4A5400B}" type="datetimeFigureOut">
               <a:rPr lang="en-US" smtClean="0"/>
-              <a:t>8/31/2024</a:t>
+              <a:t>9/5/2024</a:t>
             </a:fld>
             <a:endParaRPr lang="en-US"/>
           </a:p>
@@ -1723,7 +1735,7 @@
           <a:p>
             <a:fld id="{4C90007C-4C31-41E3-BD24-EB74D4A5400B}" type="datetimeFigureOut">
               <a:rPr lang="en-US" smtClean="0"/>
-              <a:t>8/31/2024</a:t>
+              <a:t>9/5/2024</a:t>
             </a:fld>
             <a:endParaRPr lang="en-US"/>
           </a:p>
@@ -1818,7 +1830,7 @@
           <a:p>
             <a:fld id="{4C90007C-4C31-41E3-BD24-EB74D4A5400B}" type="datetimeFigureOut">
               <a:rPr lang="en-US" smtClean="0"/>
-              <a:t>8/31/2024</a:t>
+              <a:t>9/5/2024</a:t>
             </a:fld>
             <a:endParaRPr lang="en-US"/>
           </a:p>
@@ -2095,7 +2107,7 @@
           <a:p>
             <a:fld id="{4C90007C-4C31-41E3-BD24-EB74D4A5400B}" type="datetimeFigureOut">
               <a:rPr lang="en-US" smtClean="0"/>
-              <a:t>8/31/2024</a:t>
+              <a:t>9/5/2024</a:t>
             </a:fld>
             <a:endParaRPr lang="en-US"/>
           </a:p>
@@ -2348,7 +2360,7 @@
           <a:p>
             <a:fld id="{4C90007C-4C31-41E3-BD24-EB74D4A5400B}" type="datetimeFigureOut">
               <a:rPr lang="en-US" smtClean="0"/>
-              <a:t>8/31/2024</a:t>
+              <a:t>9/5/2024</a:t>
             </a:fld>
             <a:endParaRPr lang="en-US"/>
           </a:p>
@@ -2561,7 +2573,7 @@
           <a:p>
             <a:fld id="{4C90007C-4C31-41E3-BD24-EB74D4A5400B}" type="datetimeFigureOut">
               <a:rPr lang="en-US" smtClean="0"/>
-              <a:t>8/31/2024</a:t>
+              <a:t>9/5/2024</a:t>
             </a:fld>
             <a:endParaRPr lang="en-US"/>
           </a:p>
@@ -3048,6 +3060,66 @@
 </p:sld>
 </file>
 
+<file path=ppt/slides/slide10.xml><?xml version="1.0" encoding="utf-8"?>
+<p:sld xmlns:a="http://schemas.openxmlformats.org/drawingml/2006/main" xmlns:r="http://schemas.openxmlformats.org/officeDocument/2006/relationships" xmlns:p="http://schemas.openxmlformats.org/presentationml/2006/main">
+  <p:cSld>
+    <p:spTree>
+      <p:nvGrpSpPr>
+        <p:cNvPr id="1" name=""/>
+        <p:cNvGrpSpPr/>
+        <p:nvPr/>
+      </p:nvGrpSpPr>
+      <p:grpSpPr>
+        <a:xfrm>
+          <a:off x="0" y="0"/>
+          <a:ext cx="0" cy="0"/>
+          <a:chOff x="0" y="0"/>
+          <a:chExt cx="0" cy="0"/>
+        </a:xfrm>
+      </p:grpSpPr>
+      <p:sp>
+        <p:nvSpPr>
+          <p:cNvPr id="2" name="Title 1"/>
+          <p:cNvSpPr>
+            <a:spLocks noGrp="1"/>
+          </p:cNvSpPr>
+          <p:nvPr>
+            <p:ph type="title"/>
+          </p:nvPr>
+        </p:nvSpPr>
+        <p:spPr>
+          <a:xfrm>
+            <a:off x="841972" y="365125"/>
+            <a:ext cx="10511828" cy="5220863"/>
+          </a:xfrm>
+        </p:spPr>
+        <p:txBody>
+          <a:bodyPr>
+            <a:normAutofit/>
+          </a:bodyPr>
+          <a:lstStyle/>
+          <a:p>
+            <a:r>
+              <a:rPr lang="en-US" sz="6600" dirty="0" smtClean="0"/>
+              <a:t>        THANKING YOU </a:t>
+            </a:r>
+            <a:endParaRPr lang="en-US" sz="6600" dirty="0"/>
+          </a:p>
+        </p:txBody>
+      </p:sp>
+    </p:spTree>
+    <p:extLst>
+      <p:ext uri="{BB962C8B-B14F-4D97-AF65-F5344CB8AC3E}">
+        <p14:creationId xmlns:p14="http://schemas.microsoft.com/office/powerpoint/2010/main" val="2366124277"/>
+      </p:ext>
+    </p:extLst>
+  </p:cSld>
+  <p:clrMapOvr>
+    <a:masterClrMapping/>
+  </p:clrMapOvr>
+</p:sld>
+</file>
+
 <file path=ppt/slides/slide2.xml><?xml version="1.0" encoding="utf-8"?>
 <p:sld xmlns:a="http://schemas.openxmlformats.org/drawingml/2006/main" xmlns:r="http://schemas.openxmlformats.org/officeDocument/2006/relationships" xmlns:p="http://schemas.openxmlformats.org/presentationml/2006/main">
   <p:cSld>
@@ -3213,8 +3285,8 @@
         </p:nvSpPr>
         <p:spPr>
           <a:xfrm>
-            <a:off x="645952" y="365125"/>
-            <a:ext cx="10707848" cy="4919939"/>
+            <a:off x="838200" y="572491"/>
+            <a:ext cx="10723830" cy="1325563"/>
           </a:xfrm>
         </p:spPr>
         <p:txBody>
@@ -3224,21 +3296,756 @@
           <a:lstStyle/>
           <a:p>
             <a:r>
-              <a:rPr lang="en-US" sz="4800" b="1" dirty="0" smtClean="0"/>
-              <a:t>                    </a:t>
-            </a:r>
-            <a:r>
-              <a:rPr lang="en-US" sz="6000" b="1" dirty="0" smtClean="0"/>
-              <a:t>THANKING YOU</a:t>
-            </a:r>
-            <a:endParaRPr lang="en-US" sz="6000" b="1" dirty="0"/>
+              <a:rPr lang="en-US" sz="2800" b="1" dirty="0" smtClean="0"/>
+              <a:t>PROBLEM STATEMENT</a:t>
+            </a:r>
+            <a:endParaRPr lang="en-US" sz="2800" b="1" dirty="0"/>
+          </a:p>
+        </p:txBody>
+      </p:sp>
+      <p:sp>
+        <p:nvSpPr>
+          <p:cNvPr id="3" name="Content Placeholder 2"/>
+          <p:cNvSpPr>
+            <a:spLocks noGrp="1"/>
+          </p:cNvSpPr>
+          <p:nvPr>
+            <p:ph idx="1"/>
+          </p:nvPr>
+        </p:nvSpPr>
+        <p:spPr/>
+        <p:txBody>
+          <a:bodyPr>
+            <a:normAutofit/>
+          </a:bodyPr>
+          <a:lstStyle/>
+          <a:p>
+            <a:r>
+              <a:rPr lang="en-US" sz="2000" dirty="0" smtClean="0"/>
+              <a:t>Introduce the problem </a:t>
+            </a:r>
+          </a:p>
+          <a:p>
+            <a:r>
+              <a:rPr lang="en-US" sz="2000" dirty="0" smtClean="0"/>
+              <a:t>Provide data visualization </a:t>
+            </a:r>
+          </a:p>
+          <a:p>
+            <a:r>
+              <a:rPr lang="en-US" sz="2000" dirty="0" smtClean="0"/>
+              <a:t>Provide context and analysis</a:t>
+            </a:r>
+          </a:p>
+          <a:p>
+            <a:r>
+              <a:rPr lang="en-US" sz="2000" dirty="0" smtClean="0"/>
+              <a:t>Discuss impact</a:t>
+            </a:r>
+          </a:p>
+          <a:p>
+            <a:r>
+              <a:rPr lang="en-US" sz="2000" dirty="0" smtClean="0"/>
+              <a:t>Outline solutions</a:t>
+            </a:r>
+          </a:p>
+          <a:p>
+            <a:r>
+              <a:rPr lang="en-US" sz="2000" dirty="0" smtClean="0"/>
+              <a:t>Invite feedback</a:t>
+            </a:r>
+          </a:p>
+          <a:p>
+            <a:r>
+              <a:rPr lang="en-US" sz="2000" dirty="0" smtClean="0"/>
+              <a:t>Summarize and outline next steps</a:t>
+            </a:r>
+            <a:endParaRPr lang="en-US" sz="2000" dirty="0"/>
           </a:p>
         </p:txBody>
       </p:sp>
     </p:spTree>
     <p:extLst>
       <p:ext uri="{BB962C8B-B14F-4D97-AF65-F5344CB8AC3E}">
-        <p14:creationId xmlns:p14="http://schemas.microsoft.com/office/powerpoint/2010/main" val="1992525071"/>
+        <p14:creationId xmlns:p14="http://schemas.microsoft.com/office/powerpoint/2010/main" val="2845497213"/>
+      </p:ext>
+    </p:extLst>
+  </p:cSld>
+  <p:clrMapOvr>
+    <a:masterClrMapping/>
+  </p:clrMapOvr>
+</p:sld>
+</file>
+
+<file path=ppt/slides/slide4.xml><?xml version="1.0" encoding="utf-8"?>
+<p:sld xmlns:a="http://schemas.openxmlformats.org/drawingml/2006/main" xmlns:r="http://schemas.openxmlformats.org/officeDocument/2006/relationships" xmlns:p="http://schemas.openxmlformats.org/presentationml/2006/main">
+  <p:cSld>
+    <p:spTree>
+      <p:nvGrpSpPr>
+        <p:cNvPr id="1" name=""/>
+        <p:cNvGrpSpPr/>
+        <p:nvPr/>
+      </p:nvGrpSpPr>
+      <p:grpSpPr>
+        <a:xfrm>
+          <a:off x="0" y="0"/>
+          <a:ext cx="0" cy="0"/>
+          <a:chOff x="0" y="0"/>
+          <a:chExt cx="0" cy="0"/>
+        </a:xfrm>
+      </p:grpSpPr>
+      <p:sp>
+        <p:nvSpPr>
+          <p:cNvPr id="2" name="Title 1"/>
+          <p:cNvSpPr>
+            <a:spLocks noGrp="1"/>
+          </p:cNvSpPr>
+          <p:nvPr>
+            <p:ph type="title"/>
+          </p:nvPr>
+        </p:nvSpPr>
+        <p:spPr/>
+        <p:txBody>
+          <a:bodyPr>
+            <a:normAutofit/>
+          </a:bodyPr>
+          <a:lstStyle/>
+          <a:p>
+            <a:r>
+              <a:rPr lang="en-US" sz="2800" b="1" dirty="0" smtClean="0"/>
+              <a:t>PROJECT OVERVIEW</a:t>
+            </a:r>
+            <a:endParaRPr lang="en-US" sz="2800" b="1" dirty="0"/>
+          </a:p>
+        </p:txBody>
+      </p:sp>
+      <p:sp>
+        <p:nvSpPr>
+          <p:cNvPr id="3" name="Content Placeholder 2"/>
+          <p:cNvSpPr>
+            <a:spLocks noGrp="1"/>
+          </p:cNvSpPr>
+          <p:nvPr>
+            <p:ph idx="1"/>
+          </p:nvPr>
+        </p:nvSpPr>
+        <p:spPr/>
+        <p:txBody>
+          <a:bodyPr>
+            <a:normAutofit/>
+          </a:bodyPr>
+          <a:lstStyle/>
+          <a:p>
+            <a:r>
+              <a:rPr lang="en-US" sz="2400" dirty="0" smtClean="0"/>
+              <a:t>OBJECTIVES: Define the projects objectives</a:t>
+            </a:r>
+          </a:p>
+          <a:p>
+            <a:r>
+              <a:rPr lang="en-US" sz="2400" dirty="0" smtClean="0"/>
+              <a:t>DATA SOURCES: Identify the source of data and how </a:t>
+            </a:r>
+            <a:r>
+              <a:rPr lang="en-US" sz="2400" dirty="0" err="1" smtClean="0"/>
+              <a:t>tp</a:t>
+            </a:r>
+            <a:r>
+              <a:rPr lang="en-US" sz="2400" dirty="0" smtClean="0"/>
+              <a:t> collect it </a:t>
+            </a:r>
+          </a:p>
+          <a:p>
+            <a:r>
+              <a:rPr lang="en-US" sz="2400" dirty="0" smtClean="0"/>
+              <a:t>PROJECT TEAM: Define the project team and their responsibilities</a:t>
+            </a:r>
+          </a:p>
+          <a:p>
+            <a:r>
+              <a:rPr lang="en-US" sz="2400" dirty="0" smtClean="0"/>
+              <a:t>DATA EXPLORATION: Explore and clean the data</a:t>
+            </a:r>
+          </a:p>
+          <a:p>
+            <a:r>
+              <a:rPr lang="en-US" sz="2400" dirty="0" smtClean="0"/>
+              <a:t>PREDICTIVE ANALYSIS: Use predictive analysis</a:t>
+            </a:r>
+          </a:p>
+          <a:p>
+            <a:r>
+              <a:rPr lang="en-US" sz="2400" dirty="0" smtClean="0"/>
+              <a:t>ITERATION: Iterate on the project</a:t>
+            </a:r>
+            <a:endParaRPr lang="en-US" sz="2400" dirty="0"/>
+          </a:p>
+        </p:txBody>
+      </p:sp>
+    </p:spTree>
+    <p:extLst>
+      <p:ext uri="{BB962C8B-B14F-4D97-AF65-F5344CB8AC3E}">
+        <p14:creationId xmlns:p14="http://schemas.microsoft.com/office/powerpoint/2010/main" val="1326649453"/>
+      </p:ext>
+    </p:extLst>
+  </p:cSld>
+  <p:clrMapOvr>
+    <a:masterClrMapping/>
+  </p:clrMapOvr>
+</p:sld>
+</file>
+
+<file path=ppt/slides/slide5.xml><?xml version="1.0" encoding="utf-8"?>
+<p:sld xmlns:a="http://schemas.openxmlformats.org/drawingml/2006/main" xmlns:r="http://schemas.openxmlformats.org/officeDocument/2006/relationships" xmlns:p="http://schemas.openxmlformats.org/presentationml/2006/main">
+  <p:cSld>
+    <p:spTree>
+      <p:nvGrpSpPr>
+        <p:cNvPr id="1" name=""/>
+        <p:cNvGrpSpPr/>
+        <p:nvPr/>
+      </p:nvGrpSpPr>
+      <p:grpSpPr>
+        <a:xfrm>
+          <a:off x="0" y="0"/>
+          <a:ext cx="0" cy="0"/>
+          <a:chOff x="0" y="0"/>
+          <a:chExt cx="0" cy="0"/>
+        </a:xfrm>
+      </p:grpSpPr>
+      <p:sp>
+        <p:nvSpPr>
+          <p:cNvPr id="2" name="Title 1"/>
+          <p:cNvSpPr>
+            <a:spLocks noGrp="1"/>
+          </p:cNvSpPr>
+          <p:nvPr>
+            <p:ph type="title"/>
+          </p:nvPr>
+        </p:nvSpPr>
+        <p:spPr/>
+        <p:txBody>
+          <a:bodyPr>
+            <a:normAutofit/>
+          </a:bodyPr>
+          <a:lstStyle/>
+          <a:p>
+            <a:r>
+              <a:rPr lang="en-US" sz="2800" b="1" dirty="0" smtClean="0"/>
+              <a:t>DATA MODELLING</a:t>
+            </a:r>
+            <a:endParaRPr lang="en-US" sz="2800" b="1" dirty="0"/>
+          </a:p>
+        </p:txBody>
+      </p:sp>
+      <p:sp>
+        <p:nvSpPr>
+          <p:cNvPr id="3" name="Content Placeholder 2"/>
+          <p:cNvSpPr>
+            <a:spLocks noGrp="1"/>
+          </p:cNvSpPr>
+          <p:nvPr>
+            <p:ph idx="1"/>
+          </p:nvPr>
+        </p:nvSpPr>
+        <p:spPr/>
+        <p:txBody>
+          <a:bodyPr>
+            <a:normAutofit/>
+          </a:bodyPr>
+          <a:lstStyle/>
+          <a:p>
+            <a:r>
+              <a:rPr lang="en-US" sz="2400" dirty="0" smtClean="0"/>
+              <a:t>Random forest</a:t>
+            </a:r>
+          </a:p>
+          <a:p>
+            <a:r>
+              <a:rPr lang="en-US" sz="2400" dirty="0" smtClean="0"/>
+              <a:t>Naive </a:t>
+            </a:r>
+            <a:r>
+              <a:rPr lang="en-US" sz="2400" dirty="0" err="1" smtClean="0"/>
+              <a:t>bayes</a:t>
+            </a:r>
+            <a:r>
+              <a:rPr lang="en-US" sz="2400" dirty="0" smtClean="0"/>
+              <a:t> </a:t>
+            </a:r>
+          </a:p>
+          <a:p>
+            <a:r>
+              <a:rPr lang="en-US" sz="2400" dirty="0" smtClean="0"/>
+              <a:t>Gradient boosted trees</a:t>
+            </a:r>
+          </a:p>
+          <a:p>
+            <a:r>
+              <a:rPr lang="en-US" sz="2400" dirty="0" smtClean="0"/>
+              <a:t>Tree ensemble</a:t>
+            </a:r>
+          </a:p>
+          <a:p>
+            <a:r>
+              <a:rPr lang="en-US" sz="2400" dirty="0" smtClean="0"/>
+              <a:t>Linear regression </a:t>
+            </a:r>
+          </a:p>
+          <a:p>
+            <a:r>
+              <a:rPr lang="en-US" sz="2400" dirty="0" smtClean="0"/>
+              <a:t>Polynomial regression </a:t>
+            </a:r>
+          </a:p>
+          <a:p>
+            <a:r>
+              <a:rPr lang="en-US" sz="2400" dirty="0" smtClean="0"/>
+              <a:t>Decision tree</a:t>
+            </a:r>
+            <a:endParaRPr lang="en-US" sz="2400" dirty="0"/>
+          </a:p>
+        </p:txBody>
+      </p:sp>
+    </p:spTree>
+    <p:extLst>
+      <p:ext uri="{BB962C8B-B14F-4D97-AF65-F5344CB8AC3E}">
+        <p14:creationId xmlns:p14="http://schemas.microsoft.com/office/powerpoint/2010/main" val="2902638193"/>
+      </p:ext>
+    </p:extLst>
+  </p:cSld>
+  <p:clrMapOvr>
+    <a:masterClrMapping/>
+  </p:clrMapOvr>
+</p:sld>
+</file>
+
+<file path=ppt/slides/slide6.xml><?xml version="1.0" encoding="utf-8"?>
+<p:sld xmlns:a="http://schemas.openxmlformats.org/drawingml/2006/main" xmlns:r="http://schemas.openxmlformats.org/officeDocument/2006/relationships" xmlns:p="http://schemas.openxmlformats.org/presentationml/2006/main">
+  <p:cSld>
+    <p:spTree>
+      <p:nvGrpSpPr>
+        <p:cNvPr id="1" name=""/>
+        <p:cNvGrpSpPr/>
+        <p:nvPr/>
+      </p:nvGrpSpPr>
+      <p:grpSpPr>
+        <a:xfrm>
+          <a:off x="0" y="0"/>
+          <a:ext cx="0" cy="0"/>
+          <a:chOff x="0" y="0"/>
+          <a:chExt cx="0" cy="0"/>
+        </a:xfrm>
+      </p:grpSpPr>
+      <p:sp>
+        <p:nvSpPr>
+          <p:cNvPr id="2" name="Title 1"/>
+          <p:cNvSpPr>
+            <a:spLocks noGrp="1"/>
+          </p:cNvSpPr>
+          <p:nvPr>
+            <p:ph type="title"/>
+          </p:nvPr>
+        </p:nvSpPr>
+        <p:spPr/>
+        <p:txBody>
+          <a:bodyPr>
+            <a:normAutofit/>
+          </a:bodyPr>
+          <a:lstStyle/>
+          <a:p>
+            <a:r>
+              <a:rPr lang="en-US" sz="2800" b="1" dirty="0" smtClean="0"/>
+              <a:t>DESCRIPTION</a:t>
+            </a:r>
+            <a:endParaRPr lang="en-US" sz="2800" b="1" dirty="0"/>
+          </a:p>
+        </p:txBody>
+      </p:sp>
+      <p:sp>
+        <p:nvSpPr>
+          <p:cNvPr id="3" name="Content Placeholder 2"/>
+          <p:cNvSpPr>
+            <a:spLocks noGrp="1"/>
+          </p:cNvSpPr>
+          <p:nvPr>
+            <p:ph idx="1"/>
+          </p:nvPr>
+        </p:nvSpPr>
+        <p:spPr/>
+        <p:txBody>
+          <a:bodyPr>
+            <a:normAutofit/>
+          </a:bodyPr>
+          <a:lstStyle/>
+          <a:p>
+            <a:pPr marL="0" indent="0">
+              <a:buNone/>
+            </a:pPr>
+            <a:r>
+              <a:rPr lang="en-US" sz="2400" dirty="0" smtClean="0"/>
+              <a:t>Employee </a:t>
+            </a:r>
+            <a:r>
+              <a:rPr lang="en-US" sz="2400" dirty="0"/>
+              <a:t>data analysis is the process of collecting and interpreting </a:t>
+            </a:r>
+          </a:p>
+          <a:p>
+            <a:pPr marL="0" indent="0">
+              <a:buNone/>
+            </a:pPr>
+            <a:r>
+              <a:rPr lang="en-US" sz="2400" dirty="0"/>
+              <a:t>Employee data to help answer questions test hypotheses and make decisions</a:t>
+            </a:r>
+          </a:p>
+          <a:p>
+            <a:r>
+              <a:rPr lang="en-US" sz="2400" dirty="0"/>
+              <a:t>DATA SOURCES </a:t>
+            </a:r>
+          </a:p>
+          <a:p>
+            <a:r>
+              <a:rPr lang="en-US" sz="2400" dirty="0"/>
+              <a:t>OBJECTIVES</a:t>
+            </a:r>
+          </a:p>
+          <a:p>
+            <a:r>
+              <a:rPr lang="en-US" sz="2400" dirty="0"/>
+              <a:t>DATA ANALYSIS PROCESS</a:t>
+            </a:r>
+          </a:p>
+          <a:p>
+            <a:r>
+              <a:rPr lang="en-US" sz="2400" dirty="0"/>
+              <a:t>DATA ANALYSIS WRITE </a:t>
+            </a:r>
+            <a:r>
+              <a:rPr lang="en-US" sz="2400" dirty="0" smtClean="0"/>
+              <a:t>UP</a:t>
+            </a:r>
+          </a:p>
+        </p:txBody>
+      </p:sp>
+    </p:spTree>
+    <p:extLst>
+      <p:ext uri="{BB962C8B-B14F-4D97-AF65-F5344CB8AC3E}">
+        <p14:creationId xmlns:p14="http://schemas.microsoft.com/office/powerpoint/2010/main" val="1102146103"/>
+      </p:ext>
+    </p:extLst>
+  </p:cSld>
+  <p:clrMapOvr>
+    <a:masterClrMapping/>
+  </p:clrMapOvr>
+</p:sld>
+</file>
+
+<file path=ppt/slides/slide7.xml><?xml version="1.0" encoding="utf-8"?>
+<p:sld xmlns:a="http://schemas.openxmlformats.org/drawingml/2006/main" xmlns:r="http://schemas.openxmlformats.org/officeDocument/2006/relationships" xmlns:p="http://schemas.openxmlformats.org/presentationml/2006/main">
+  <p:cSld>
+    <p:spTree>
+      <p:nvGrpSpPr>
+        <p:cNvPr id="1" name=""/>
+        <p:cNvGrpSpPr/>
+        <p:nvPr/>
+      </p:nvGrpSpPr>
+      <p:grpSpPr>
+        <a:xfrm>
+          <a:off x="0" y="0"/>
+          <a:ext cx="0" cy="0"/>
+          <a:chOff x="0" y="0"/>
+          <a:chExt cx="0" cy="0"/>
+        </a:xfrm>
+      </p:grpSpPr>
+      <p:sp>
+        <p:nvSpPr>
+          <p:cNvPr id="2" name="Title 1"/>
+          <p:cNvSpPr>
+            <a:spLocks noGrp="1"/>
+          </p:cNvSpPr>
+          <p:nvPr>
+            <p:ph type="title"/>
+          </p:nvPr>
+        </p:nvSpPr>
+        <p:spPr/>
+        <p:txBody>
+          <a:bodyPr>
+            <a:normAutofit/>
+          </a:bodyPr>
+          <a:lstStyle/>
+          <a:p>
+            <a:r>
+              <a:rPr lang="en-US" sz="2800" dirty="0" smtClean="0"/>
+              <a:t>RESULTS</a:t>
+            </a:r>
+            <a:endParaRPr lang="en-US" sz="2800" dirty="0"/>
+          </a:p>
+        </p:txBody>
+      </p:sp>
+      <p:sp>
+        <p:nvSpPr>
+          <p:cNvPr id="3" name="Content Placeholder 2"/>
+          <p:cNvSpPr>
+            <a:spLocks noGrp="1"/>
+          </p:cNvSpPr>
+          <p:nvPr>
+            <p:ph idx="1"/>
+          </p:nvPr>
+        </p:nvSpPr>
+        <p:spPr/>
+        <p:txBody>
+          <a:bodyPr>
+            <a:normAutofit/>
+          </a:bodyPr>
+          <a:lstStyle/>
+          <a:p>
+            <a:pPr marL="0" indent="0">
+              <a:buNone/>
+            </a:pPr>
+            <a:r>
+              <a:rPr lang="en-US" sz="2400" dirty="0" smtClean="0"/>
+              <a:t>A good employee engagement score is between 70% and 85% but this can vary depending on industry and organizational goals</a:t>
+            </a:r>
+          </a:p>
+          <a:p>
+            <a:r>
+              <a:rPr lang="en-US" sz="2400" dirty="0" smtClean="0"/>
+              <a:t>DESIGN THE SURVEY WELL</a:t>
+            </a:r>
+          </a:p>
+          <a:p>
+            <a:r>
+              <a:rPr lang="en-US" sz="2400" dirty="0" smtClean="0"/>
+              <a:t>SET CLEAR GOALS </a:t>
+            </a:r>
+          </a:p>
+          <a:p>
+            <a:r>
+              <a:rPr lang="en-US" sz="2400" dirty="0" smtClean="0"/>
+              <a:t>QUANTIFY THE DATA </a:t>
+            </a:r>
+          </a:p>
+          <a:p>
+            <a:r>
+              <a:rPr lang="en-US" sz="2400" dirty="0" smtClean="0"/>
+              <a:t>SEGMENT THE DATA </a:t>
+            </a:r>
+          </a:p>
+          <a:p>
+            <a:r>
+              <a:rPr lang="en-US" sz="2400" dirty="0" smtClean="0"/>
+              <a:t>IDENTIFY PATTERNS AND TRENDS </a:t>
+            </a:r>
+          </a:p>
+          <a:p>
+            <a:r>
+              <a:rPr lang="en-US" sz="2400" dirty="0" smtClean="0"/>
+              <a:t>BENCHMARK THE RESULTS</a:t>
+            </a:r>
+          </a:p>
+        </p:txBody>
+      </p:sp>
+    </p:spTree>
+    <p:extLst>
+      <p:ext uri="{BB962C8B-B14F-4D97-AF65-F5344CB8AC3E}">
+        <p14:creationId xmlns:p14="http://schemas.microsoft.com/office/powerpoint/2010/main" val="3222337579"/>
+      </p:ext>
+    </p:extLst>
+  </p:cSld>
+  <p:clrMapOvr>
+    <a:masterClrMapping/>
+  </p:clrMapOvr>
+</p:sld>
+</file>
+
+<file path=ppt/slides/slide8.xml><?xml version="1.0" encoding="utf-8"?>
+<p:sld xmlns:a="http://schemas.openxmlformats.org/drawingml/2006/main" xmlns:r="http://schemas.openxmlformats.org/officeDocument/2006/relationships" xmlns:p="http://schemas.openxmlformats.org/presentationml/2006/main">
+  <p:cSld>
+    <p:spTree>
+      <p:nvGrpSpPr>
+        <p:cNvPr id="1" name=""/>
+        <p:cNvGrpSpPr/>
+        <p:nvPr/>
+      </p:nvGrpSpPr>
+      <p:grpSpPr>
+        <a:xfrm>
+          <a:off x="0" y="0"/>
+          <a:ext cx="0" cy="0"/>
+          <a:chOff x="0" y="0"/>
+          <a:chExt cx="0" cy="0"/>
+        </a:xfrm>
+      </p:grpSpPr>
+      <p:sp>
+        <p:nvSpPr>
+          <p:cNvPr id="2" name="Title 1"/>
+          <p:cNvSpPr>
+            <a:spLocks noGrp="1"/>
+          </p:cNvSpPr>
+          <p:nvPr>
+            <p:ph type="title"/>
+          </p:nvPr>
+        </p:nvSpPr>
+        <p:spPr/>
+        <p:txBody>
+          <a:bodyPr>
+            <a:normAutofit/>
+          </a:bodyPr>
+          <a:lstStyle/>
+          <a:p>
+            <a:r>
+              <a:rPr lang="en-US" sz="2800" b="1" dirty="0" smtClean="0"/>
+              <a:t>BENEFITS</a:t>
+            </a:r>
+            <a:r>
+              <a:rPr lang="en-US" sz="2800" dirty="0" smtClean="0"/>
+              <a:t> </a:t>
+            </a:r>
+            <a:endParaRPr lang="en-US" sz="2800" dirty="0"/>
+          </a:p>
+        </p:txBody>
+      </p:sp>
+      <p:sp>
+        <p:nvSpPr>
+          <p:cNvPr id="3" name="Content Placeholder 2"/>
+          <p:cNvSpPr>
+            <a:spLocks noGrp="1"/>
+          </p:cNvSpPr>
+          <p:nvPr>
+            <p:ph idx="1"/>
+          </p:nvPr>
+        </p:nvSpPr>
+        <p:spPr/>
+        <p:txBody>
+          <a:bodyPr>
+            <a:normAutofit/>
+          </a:bodyPr>
+          <a:lstStyle/>
+          <a:p>
+            <a:r>
+              <a:rPr lang="en-US" sz="2400" dirty="0" smtClean="0"/>
+              <a:t>IMPROVED WORK FORCE PLANNING </a:t>
+            </a:r>
+          </a:p>
+          <a:p>
+            <a:r>
+              <a:rPr lang="en-US" sz="2400" dirty="0" smtClean="0"/>
+              <a:t>COST EFFICIENCY</a:t>
+            </a:r>
+          </a:p>
+          <a:p>
+            <a:r>
+              <a:rPr lang="en-US" sz="2400" dirty="0" smtClean="0"/>
+              <a:t>COMPLIANCE MANAGENENT </a:t>
+            </a:r>
+          </a:p>
+          <a:p>
+            <a:pPr marL="0" indent="0">
+              <a:buNone/>
+            </a:pPr>
+            <a:endParaRPr lang="en-US" sz="2400" dirty="0"/>
+          </a:p>
+        </p:txBody>
+      </p:sp>
+    </p:spTree>
+    <p:extLst>
+      <p:ext uri="{BB962C8B-B14F-4D97-AF65-F5344CB8AC3E}">
+        <p14:creationId xmlns:p14="http://schemas.microsoft.com/office/powerpoint/2010/main" val="2695831640"/>
+      </p:ext>
+    </p:extLst>
+  </p:cSld>
+  <p:clrMapOvr>
+    <a:masterClrMapping/>
+  </p:clrMapOvr>
+</p:sld>
+</file>
+
+<file path=ppt/slides/slide9.xml><?xml version="1.0" encoding="utf-8"?>
+<p:sld xmlns:a="http://schemas.openxmlformats.org/drawingml/2006/main" xmlns:r="http://schemas.openxmlformats.org/officeDocument/2006/relationships" xmlns:p="http://schemas.openxmlformats.org/presentationml/2006/main">
+  <p:cSld>
+    <p:spTree>
+      <p:nvGrpSpPr>
+        <p:cNvPr id="1" name=""/>
+        <p:cNvGrpSpPr/>
+        <p:nvPr/>
+      </p:nvGrpSpPr>
+      <p:grpSpPr>
+        <a:xfrm>
+          <a:off x="0" y="0"/>
+          <a:ext cx="0" cy="0"/>
+          <a:chOff x="0" y="0"/>
+          <a:chExt cx="0" cy="0"/>
+        </a:xfrm>
+      </p:grpSpPr>
+      <p:sp>
+        <p:nvSpPr>
+          <p:cNvPr id="2" name="Title 1"/>
+          <p:cNvSpPr>
+            <a:spLocks noGrp="1"/>
+          </p:cNvSpPr>
+          <p:nvPr>
+            <p:ph type="title"/>
+          </p:nvPr>
+        </p:nvSpPr>
+        <p:spPr/>
+        <p:txBody>
+          <a:bodyPr>
+            <a:normAutofit/>
+          </a:bodyPr>
+          <a:lstStyle/>
+          <a:p>
+            <a:r>
+              <a:rPr lang="en-US" sz="2800" b="1" dirty="0" smtClean="0"/>
+              <a:t>CONCLUSION</a:t>
+            </a:r>
+            <a:endParaRPr lang="en-US" sz="2800" b="1" dirty="0"/>
+          </a:p>
+        </p:txBody>
+      </p:sp>
+      <p:sp>
+        <p:nvSpPr>
+          <p:cNvPr id="3" name="Content Placeholder 2"/>
+          <p:cNvSpPr>
+            <a:spLocks noGrp="1"/>
+          </p:cNvSpPr>
+          <p:nvPr>
+            <p:ph idx="1"/>
+          </p:nvPr>
+        </p:nvSpPr>
+        <p:spPr/>
+        <p:txBody>
+          <a:bodyPr>
+            <a:normAutofit/>
+          </a:bodyPr>
+          <a:lstStyle/>
+          <a:p>
+            <a:r>
+              <a:rPr lang="en-US" sz="2400" dirty="0" smtClean="0"/>
+              <a:t>ENGAGEMENT : Data analytics can help foster a culture of transparency and accountability as employees receive feedback based on objective metrics </a:t>
+            </a:r>
+          </a:p>
+          <a:p>
+            <a:r>
+              <a:rPr lang="en-US" sz="2400" dirty="0" smtClean="0"/>
+              <a:t>ORGANISATIONAL PERFORMANCE : Data analytics can help </a:t>
+            </a:r>
+            <a:r>
+              <a:rPr lang="en-US" sz="2400" dirty="0" err="1" smtClean="0"/>
+              <a:t>organisations</a:t>
+            </a:r>
+            <a:r>
+              <a:rPr lang="en-US" sz="2400" dirty="0" smtClean="0"/>
+              <a:t> make better informed decisions that align with their business goals </a:t>
+            </a:r>
+            <a:endParaRPr lang="en-US" sz="2400" dirty="0"/>
+          </a:p>
+        </p:txBody>
+      </p:sp>
+    </p:spTree>
+    <p:extLst>
+      <p:ext uri="{BB962C8B-B14F-4D97-AF65-F5344CB8AC3E}">
+        <p14:creationId xmlns:p14="http://schemas.microsoft.com/office/powerpoint/2010/main" val="3738151553"/>
       </p:ext>
     </p:extLst>
   </p:cSld>
